--- a/Präsentation/Project_RescueRobot.pptx
+++ b/Präsentation/Project_RescueRobot.pptx
@@ -7,7 +7,7 @@
     <p:sldMasterId id="2147484024" r:id="rId3"/>
   </p:sldMasterIdLst>
   <p:notesMasterIdLst>
-    <p:notesMasterId r:id="rId13"/>
+    <p:notesMasterId r:id="rId16"/>
   </p:notesMasterIdLst>
   <p:sldIdLst>
     <p:sldId id="256" r:id="rId4"/>
@@ -15,10 +15,13 @@
     <p:sldId id="443" r:id="rId6"/>
     <p:sldId id="320" r:id="rId7"/>
     <p:sldId id="431" r:id="rId8"/>
-    <p:sldId id="395" r:id="rId9"/>
-    <p:sldId id="381" r:id="rId10"/>
-    <p:sldId id="428" r:id="rId11"/>
-    <p:sldId id="441" r:id="rId12"/>
+    <p:sldId id="444" r:id="rId9"/>
+    <p:sldId id="445" r:id="rId10"/>
+    <p:sldId id="395" r:id="rId11"/>
+    <p:sldId id="381" r:id="rId12"/>
+    <p:sldId id="446" r:id="rId13"/>
+    <p:sldId id="428" r:id="rId14"/>
+    <p:sldId id="441" r:id="rId15"/>
   </p:sldIdLst>
   <p:sldSz cx="9144000" cy="6858000" type="screen4x3"/>
   <p:notesSz cx="7104063" cy="10234613"/>
@@ -207,7 +210,7 @@
           <a:p>
             <a:fld id="{B199A815-158E-48CE-995F-FDE10A0D19DE}" type="datetimeFigureOut">
               <a:rPr lang="de-DE" smtClean="0"/>
-              <a:t>02.08.2020</a:t>
+              <a:t>03.08.2020</a:t>
             </a:fld>
             <a:endParaRPr lang="de-DE"/>
           </a:p>
@@ -894,7 +897,7 @@
           <a:p>
             <a:fld id="{FF59E932-7D8B-4B90-8546-AA80BC354CF0}" type="slidenum">
               <a:rPr lang="de-DE" smtClean="0"/>
-              <a:t>8</a:t>
+              <a:t>11</a:t>
             </a:fld>
             <a:endParaRPr lang="de-DE"/>
           </a:p>
@@ -978,7 +981,7 @@
           <a:p>
             <a:fld id="{FF59E932-7D8B-4B90-8546-AA80BC354CF0}" type="slidenum">
               <a:rPr lang="de-DE" smtClean="0"/>
-              <a:t>9</a:t>
+              <a:t>12</a:t>
             </a:fld>
             <a:endParaRPr lang="de-DE"/>
           </a:p>
@@ -1139,7 +1142,7 @@
           <a:p>
             <a:fld id="{40E6E443-C203-485D-A842-977664C0CB1F}" type="datetime1">
               <a:rPr lang="de-DE" smtClean="0"/>
-              <a:t>02.08.2020</a:t>
+              <a:t>03.08.2020</a:t>
             </a:fld>
             <a:endParaRPr lang="de-DE"/>
           </a:p>
@@ -1312,7 +1315,7 @@
           <a:p>
             <a:fld id="{0B519ACE-216B-491A-8438-80DDDA2BE6C0}" type="datetime1">
               <a:rPr lang="de-DE" smtClean="0"/>
-              <a:t>02.08.2020</a:t>
+              <a:t>03.08.2020</a:t>
             </a:fld>
             <a:endParaRPr lang="de-DE"/>
           </a:p>
@@ -1495,7 +1498,7 @@
           <a:p>
             <a:fld id="{94C6E17E-F384-4D61-9D6F-9EBD3688E65F}" type="datetime1">
               <a:rPr lang="de-DE" smtClean="0"/>
-              <a:t>02.08.2020</a:t>
+              <a:t>03.08.2020</a:t>
             </a:fld>
             <a:endParaRPr lang="de-DE"/>
           </a:p>
@@ -1701,7 +1704,7 @@
           <a:p>
             <a:fld id="{AF4862A0-058D-4C66-BB2F-EFD88892D3D5}" type="datetime1">
               <a:rPr lang="de-DE" smtClean="0"/>
-              <a:t>02.08.2020</a:t>
+              <a:t>03.08.2020</a:t>
             </a:fld>
             <a:endParaRPr lang="de-DE"/>
           </a:p>
@@ -1874,7 +1877,7 @@
           <a:p>
             <a:fld id="{8D89E991-89CA-41AE-AC9D-3AC27A6F3749}" type="datetime1">
               <a:rPr lang="de-DE" smtClean="0"/>
-              <a:t>02.08.2020</a:t>
+              <a:t>03.08.2020</a:t>
             </a:fld>
             <a:endParaRPr lang="de-DE"/>
           </a:p>
@@ -2128,7 +2131,7 @@
           <a:p>
             <a:fld id="{CB6AA8A7-4A7C-4E51-B761-C6A36AAC9BE2}" type="datetime1">
               <a:rPr lang="de-DE" smtClean="0"/>
-              <a:t>02.08.2020</a:t>
+              <a:t>03.08.2020</a:t>
             </a:fld>
             <a:endParaRPr lang="de-DE"/>
           </a:p>
@@ -2363,7 +2366,7 @@
           <a:p>
             <a:fld id="{02EA236E-7944-4AFA-B5BF-3756F4D8CB87}" type="datetime1">
               <a:rPr lang="de-DE" smtClean="0"/>
-              <a:t>02.08.2020</a:t>
+              <a:t>03.08.2020</a:t>
             </a:fld>
             <a:endParaRPr lang="de-DE"/>
           </a:p>
@@ -2713,7 +2716,7 @@
           <a:p>
             <a:fld id="{590EA7DD-3949-4FD0-99C8-EE883587E21C}" type="datetime1">
               <a:rPr lang="de-DE" smtClean="0"/>
-              <a:t>02.08.2020</a:t>
+              <a:t>03.08.2020</a:t>
             </a:fld>
             <a:endParaRPr lang="de-DE"/>
           </a:p>
@@ -2834,7 +2837,7 @@
           <a:p>
             <a:fld id="{A0C2044B-0B03-4998-9E7C-E1418FC58F04}" type="datetime1">
               <a:rPr lang="de-DE" smtClean="0"/>
-              <a:t>02.08.2020</a:t>
+              <a:t>03.08.2020</a:t>
             </a:fld>
             <a:endParaRPr lang="de-DE"/>
           </a:p>
@@ -2955,7 +2958,7 @@
           <a:p>
             <a:fld id="{1467E4D1-3618-4775-924F-A389E91FF830}" type="datetime1">
               <a:rPr lang="de-DE" smtClean="0"/>
-              <a:t>02.08.2020</a:t>
+              <a:t>03.08.2020</a:t>
             </a:fld>
             <a:endParaRPr lang="de-DE"/>
           </a:p>
@@ -3242,7 +3245,7 @@
           <a:p>
             <a:fld id="{83EBB241-5BD7-40D8-803B-2EA17DAC0944}" type="datetime1">
               <a:rPr lang="de-DE" smtClean="0"/>
-              <a:t>02.08.2020</a:t>
+              <a:t>03.08.2020</a:t>
             </a:fld>
             <a:endParaRPr lang="de-DE"/>
           </a:p>
@@ -3415,7 +3418,7 @@
           <a:p>
             <a:fld id="{B0B9CE4B-76BB-4D22-9553-F66CE05100C9}" type="datetime1">
               <a:rPr lang="de-DE" smtClean="0"/>
-              <a:t>02.08.2020</a:t>
+              <a:t>03.08.2020</a:t>
             </a:fld>
             <a:endParaRPr lang="de-DE"/>
           </a:p>
@@ -3682,7 +3685,7 @@
           <a:p>
             <a:fld id="{3AE1B3F6-CCD9-46F0-B5A4-69CC8F3B083E}" type="datetime1">
               <a:rPr lang="de-DE" smtClean="0"/>
-              <a:t>02.08.2020</a:t>
+              <a:t>03.08.2020</a:t>
             </a:fld>
             <a:endParaRPr lang="de-DE"/>
           </a:p>
@@ -3855,7 +3858,7 @@
           <a:p>
             <a:fld id="{1D45ECC0-0694-4302-A086-92D53AECC408}" type="datetime1">
               <a:rPr lang="de-DE" smtClean="0"/>
-              <a:t>02.08.2020</a:t>
+              <a:t>03.08.2020</a:t>
             </a:fld>
             <a:endParaRPr lang="de-DE"/>
           </a:p>
@@ -4038,7 +4041,7 @@
           <a:p>
             <a:fld id="{921E1208-4F36-4937-9278-14168F9A2059}" type="datetime1">
               <a:rPr lang="de-DE" smtClean="0"/>
-              <a:t>02.08.2020</a:t>
+              <a:t>03.08.2020</a:t>
             </a:fld>
             <a:endParaRPr lang="de-DE"/>
           </a:p>
@@ -4328,7 +4331,7 @@
           <a:p>
             <a:fld id="{B3175AD9-1D89-40E8-B30D-C92B75FB45A7}" type="datetime1">
               <a:rPr lang="de-DE" smtClean="0"/>
-              <a:t>02.08.2020</a:t>
+              <a:t>03.08.2020</a:t>
             </a:fld>
             <a:endParaRPr lang="de-DE"/>
           </a:p>
@@ -4541,7 +4544,7 @@
           <a:p>
             <a:fld id="{68B2BA4B-2942-41CA-9D0C-3FB8334C7085}" type="datetime1">
               <a:rPr lang="de-DE" smtClean="0"/>
-              <a:t>02.08.2020</a:t>
+              <a:t>03.08.2020</a:t>
             </a:fld>
             <a:endParaRPr lang="de-DE"/>
           </a:p>
@@ -4923,7 +4926,7 @@
           <a:p>
             <a:fld id="{6A91E9E7-A51F-43AE-8683-B373F40757DA}" type="datetime1">
               <a:rPr lang="de-DE" smtClean="0"/>
-              <a:t>02.08.2020</a:t>
+              <a:t>03.08.2020</a:t>
             </a:fld>
             <a:endParaRPr lang="de-DE"/>
           </a:p>
@@ -5237,7 +5240,7 @@
           <a:p>
             <a:fld id="{25B61E71-C426-406A-9434-F469F074244C}" type="datetime1">
               <a:rPr lang="de-DE" smtClean="0"/>
-              <a:t>02.08.2020</a:t>
+              <a:t>03.08.2020</a:t>
             </a:fld>
             <a:endParaRPr lang="de-DE"/>
           </a:p>
@@ -5655,7 +5658,7 @@
           <a:p>
             <a:fld id="{21D007AE-9C93-4296-A3C9-52224845D09B}" type="datetime1">
               <a:rPr lang="de-DE" smtClean="0"/>
-              <a:t>02.08.2020</a:t>
+              <a:t>03.08.2020</a:t>
             </a:fld>
             <a:endParaRPr lang="de-DE"/>
           </a:p>
@@ -5812,7 +5815,7 @@
           <a:p>
             <a:fld id="{825924C5-A33A-42C7-A196-C55C338A9C95}" type="datetime1">
               <a:rPr lang="de-DE" smtClean="0"/>
-              <a:t>02.08.2020</a:t>
+              <a:t>03.08.2020</a:t>
             </a:fld>
             <a:endParaRPr lang="de-DE"/>
           </a:p>
@@ -6022,7 +6025,7 @@
           <a:p>
             <a:fld id="{86E0EF05-8FEC-446E-99C4-87B6EFD66B3A}" type="datetime1">
               <a:rPr lang="de-DE" smtClean="0"/>
-              <a:t>02.08.2020</a:t>
+              <a:t>03.08.2020</a:t>
             </a:fld>
             <a:endParaRPr lang="de-DE"/>
           </a:p>
@@ -6320,7 +6323,7 @@
           <a:p>
             <a:fld id="{64DB8CA8-E3DB-4A8A-B73F-75979CCF69C4}" type="datetime1">
               <a:rPr lang="de-DE" smtClean="0"/>
-              <a:t>02.08.2020</a:t>
+              <a:t>03.08.2020</a:t>
             </a:fld>
             <a:endParaRPr lang="de-DE"/>
           </a:p>
@@ -6669,7 +6672,7 @@
           <a:p>
             <a:fld id="{765F5FED-D1AE-471A-A2C1-8D3C1A8A21B6}" type="datetime1">
               <a:rPr lang="de-DE" smtClean="0"/>
-              <a:t>02.08.2020</a:t>
+              <a:t>03.08.2020</a:t>
             </a:fld>
             <a:endParaRPr lang="de-DE"/>
           </a:p>
@@ -7085,7 +7088,7 @@
           <a:p>
             <a:fld id="{C6FE0523-E27F-4D06-A8D0-AF18746433F7}" type="datetime1">
               <a:rPr lang="de-DE" smtClean="0"/>
-              <a:t>02.08.2020</a:t>
+              <a:t>03.08.2020</a:t>
             </a:fld>
             <a:endParaRPr lang="de-DE"/>
           </a:p>
@@ -7294,7 +7297,7 @@
           <a:p>
             <a:fld id="{D0C1C8DC-9F50-41A3-84C5-12DF7E9F2DF3}" type="datetime1">
               <a:rPr lang="de-DE" smtClean="0"/>
-              <a:t>02.08.2020</a:t>
+              <a:t>03.08.2020</a:t>
             </a:fld>
             <a:endParaRPr lang="de-DE"/>
           </a:p>
@@ -7589,7 +7592,7 @@
           <a:p>
             <a:fld id="{5F11D472-0C9F-4EE3-8D47-8C2BAC41E83A}" type="datetime1">
               <a:rPr lang="de-DE" smtClean="0"/>
-              <a:t>02.08.2020</a:t>
+              <a:t>03.08.2020</a:t>
             </a:fld>
             <a:endParaRPr lang="de-DE"/>
           </a:p>
@@ -7860,7 +7863,7 @@
           <a:p>
             <a:fld id="{E6D4A703-2B46-4D08-9701-BA87CD32786C}" type="datetime1">
               <a:rPr lang="de-DE" smtClean="0"/>
-              <a:t>02.08.2020</a:t>
+              <a:t>03.08.2020</a:t>
             </a:fld>
             <a:endParaRPr lang="de-DE"/>
           </a:p>
@@ -8210,7 +8213,7 @@
           <a:p>
             <a:fld id="{78F5F2CE-BE32-4502-8288-7D366932D188}" type="datetime1">
               <a:rPr lang="de-DE" smtClean="0"/>
-              <a:t>02.08.2020</a:t>
+              <a:t>03.08.2020</a:t>
             </a:fld>
             <a:endParaRPr lang="de-DE"/>
           </a:p>
@@ -8331,7 +8334,7 @@
           <a:p>
             <a:fld id="{C6DE8132-07D7-4CFC-92BD-4F838BEC762F}" type="datetime1">
               <a:rPr lang="de-DE" smtClean="0"/>
-              <a:t>02.08.2020</a:t>
+              <a:t>03.08.2020</a:t>
             </a:fld>
             <a:endParaRPr lang="de-DE"/>
           </a:p>
@@ -8452,7 +8455,7 @@
           <a:p>
             <a:fld id="{D7CBC125-9BBB-4C68-81D0-DDFC9E64DB2A}" type="datetime1">
               <a:rPr lang="de-DE" smtClean="0"/>
-              <a:t>02.08.2020</a:t>
+              <a:t>03.08.2020</a:t>
             </a:fld>
             <a:endParaRPr lang="de-DE"/>
           </a:p>
@@ -8739,7 +8742,7 @@
           <a:p>
             <a:fld id="{42E01CFD-2010-493E-8699-562721B23C76}" type="datetime1">
               <a:rPr lang="de-DE" smtClean="0"/>
-              <a:t>02.08.2020</a:t>
+              <a:t>03.08.2020</a:t>
             </a:fld>
             <a:endParaRPr lang="de-DE"/>
           </a:p>
@@ -9006,7 +9009,7 @@
           <a:p>
             <a:fld id="{EE98EAD0-B394-4E0A-BCC4-D5F689F8DBC6}" type="datetime1">
               <a:rPr lang="de-DE" smtClean="0"/>
-              <a:t>02.08.2020</a:t>
+              <a:t>03.08.2020</a:t>
             </a:fld>
             <a:endParaRPr lang="de-DE"/>
           </a:p>
@@ -9223,7 +9226,7 @@
           <a:p>
             <a:fld id="{9488D96C-3134-4CDD-A510-D3DEE1799855}" type="datetime1">
               <a:rPr lang="de-DE" smtClean="0"/>
-              <a:t>02.08.2020</a:t>
+              <a:t>03.08.2020</a:t>
             </a:fld>
             <a:endParaRPr lang="de-DE"/>
           </a:p>
@@ -9757,7 +9760,7 @@
           <a:p>
             <a:fld id="{637FCF04-C40B-4408-9281-A070A44BEB11}" type="datetime1">
               <a:rPr lang="de-DE" smtClean="0"/>
-              <a:t>02.08.2020</a:t>
+              <a:t>03.08.2020</a:t>
             </a:fld>
             <a:endParaRPr lang="de-DE"/>
           </a:p>
@@ -10364,7 +10367,7 @@
           <a:p>
             <a:fld id="{B38AB140-BB6C-4764-817B-7C357C6598E4}" type="datetime1">
               <a:rPr lang="de-DE" smtClean="0"/>
-              <a:t>02.08.2020</a:t>
+              <a:t>03.08.2020</a:t>
             </a:fld>
             <a:endParaRPr lang="de-DE"/>
           </a:p>
@@ -11381,6 +11384,452 @@
 </p:sld>
 </file>
 
+<file path=ppt/slides/slide10.xml><?xml version="1.0" encoding="utf-8"?>
+<p:sld xmlns:a="http://schemas.openxmlformats.org/drawingml/2006/main" xmlns:r="http://schemas.openxmlformats.org/officeDocument/2006/relationships" xmlns:p="http://schemas.openxmlformats.org/presentationml/2006/main">
+  <p:cSld>
+    <p:spTree>
+      <p:nvGrpSpPr>
+        <p:cNvPr id="1" name=""/>
+        <p:cNvGrpSpPr/>
+        <p:nvPr/>
+      </p:nvGrpSpPr>
+      <p:grpSpPr>
+        <a:xfrm>
+          <a:off x="0" y="0"/>
+          <a:ext cx="0" cy="0"/>
+          <a:chOff x="0" y="0"/>
+          <a:chExt cx="0" cy="0"/>
+        </a:xfrm>
+      </p:grpSpPr>
+      <p:sp>
+        <p:nvSpPr>
+          <p:cNvPr id="2" name="Titel 1">
+            <a:extLst>
+              <a:ext uri="{FF2B5EF4-FFF2-40B4-BE49-F238E27FC236}">
+                <a16:creationId xmlns:a16="http://schemas.microsoft.com/office/drawing/2014/main" id="{9E749245-F64E-48BA-9189-033B19556B2D}"/>
+              </a:ext>
+            </a:extLst>
+          </p:cNvPr>
+          <p:cNvSpPr>
+            <a:spLocks noGrp="1"/>
+          </p:cNvSpPr>
+          <p:nvPr>
+            <p:ph type="title"/>
+          </p:nvPr>
+        </p:nvSpPr>
+        <p:spPr/>
+        <p:txBody>
+          <a:bodyPr vert="horz" lIns="91440" tIns="45720" rIns="91440" bIns="45720" rtlCol="0" anchor="b">
+            <a:normAutofit/>
+          </a:bodyPr>
+          <a:lstStyle/>
+          <a:p>
+            <a:r>
+              <a:rPr lang="de-DE" b="1" dirty="0"/>
+              <a:t>Einsatzgebiet</a:t>
+            </a:r>
+          </a:p>
+        </p:txBody>
+      </p:sp>
+      <p:sp>
+        <p:nvSpPr>
+          <p:cNvPr id="4" name="Foliennummernplatzhalter 3">
+            <a:extLst>
+              <a:ext uri="{FF2B5EF4-FFF2-40B4-BE49-F238E27FC236}">
+                <a16:creationId xmlns:a16="http://schemas.microsoft.com/office/drawing/2014/main" id="{81BEA176-B0CB-42C5-9246-137AF6416DBC}"/>
+              </a:ext>
+            </a:extLst>
+          </p:cNvPr>
+          <p:cNvSpPr>
+            <a:spLocks noGrp="1"/>
+          </p:cNvSpPr>
+          <p:nvPr>
+            <p:ph type="sldNum" sz="quarter" idx="12"/>
+          </p:nvPr>
+        </p:nvSpPr>
+        <p:spPr/>
+        <p:txBody>
+          <a:bodyPr/>
+          <a:lstStyle/>
+          <a:p>
+            <a:fld id="{5CAEF0F8-4C7D-4897-B6B8-79DC5384B114}" type="slidenum">
+              <a:rPr lang="de-DE" smtClean="0"/>
+              <a:t>10</a:t>
+            </a:fld>
+            <a:endParaRPr lang="de-DE"/>
+          </a:p>
+        </p:txBody>
+      </p:sp>
+      <p:sp>
+        <p:nvSpPr>
+          <p:cNvPr id="9" name="Fußzeilenplatzhalter 2">
+            <a:extLst>
+              <a:ext uri="{FF2B5EF4-FFF2-40B4-BE49-F238E27FC236}">
+                <a16:creationId xmlns:a16="http://schemas.microsoft.com/office/drawing/2014/main" id="{4F17DB2C-DA8F-4A4E-BF65-C523FBE6AE02}"/>
+              </a:ext>
+            </a:extLst>
+          </p:cNvPr>
+          <p:cNvSpPr>
+            <a:spLocks noGrp="1"/>
+          </p:cNvSpPr>
+          <p:nvPr>
+            <p:ph type="ftr" sz="quarter" idx="11"/>
+          </p:nvPr>
+        </p:nvSpPr>
+        <p:spPr>
+          <a:xfrm>
+            <a:off x="645200" y="6459785"/>
+            <a:ext cx="3617103" cy="365125"/>
+          </a:xfrm>
+        </p:spPr>
+        <p:txBody>
+          <a:bodyPr/>
+          <a:lstStyle/>
+          <a:p>
+            <a:r>
+              <a:rPr lang="de-DE" dirty="0"/>
+              <a:t>ITD - Projekt angewandte Elektrotechnik / August 2020</a:t>
+            </a:r>
+          </a:p>
+        </p:txBody>
+      </p:sp>
+    </p:spTree>
+    <p:extLst>
+      <p:ext uri="{BB962C8B-B14F-4D97-AF65-F5344CB8AC3E}">
+        <p14:creationId xmlns:p14="http://schemas.microsoft.com/office/powerpoint/2010/main" val="3035758486"/>
+      </p:ext>
+    </p:extLst>
+  </p:cSld>
+  <p:clrMapOvr>
+    <a:masterClrMapping/>
+  </p:clrMapOvr>
+</p:sld>
+</file>
+
+<file path=ppt/slides/slide11.xml><?xml version="1.0" encoding="utf-8"?>
+<p:sld xmlns:a="http://schemas.openxmlformats.org/drawingml/2006/main" xmlns:r="http://schemas.openxmlformats.org/officeDocument/2006/relationships" xmlns:p="http://schemas.openxmlformats.org/presentationml/2006/main">
+  <p:cSld>
+    <p:spTree>
+      <p:nvGrpSpPr>
+        <p:cNvPr id="1" name=""/>
+        <p:cNvGrpSpPr/>
+        <p:nvPr/>
+      </p:nvGrpSpPr>
+      <p:grpSpPr>
+        <a:xfrm>
+          <a:off x="0" y="0"/>
+          <a:ext cx="0" cy="0"/>
+          <a:chOff x="0" y="0"/>
+          <a:chExt cx="0" cy="0"/>
+        </a:xfrm>
+      </p:grpSpPr>
+      <p:sp>
+        <p:nvSpPr>
+          <p:cNvPr id="2" name="Titel 1">
+            <a:extLst>
+              <a:ext uri="{FF2B5EF4-FFF2-40B4-BE49-F238E27FC236}">
+                <a16:creationId xmlns:a16="http://schemas.microsoft.com/office/drawing/2014/main" id="{9E749245-F64E-48BA-9189-033B19556B2D}"/>
+              </a:ext>
+            </a:extLst>
+          </p:cNvPr>
+          <p:cNvSpPr>
+            <a:spLocks noGrp="1"/>
+          </p:cNvSpPr>
+          <p:nvPr>
+            <p:ph type="title"/>
+          </p:nvPr>
+        </p:nvSpPr>
+        <p:spPr/>
+        <p:txBody>
+          <a:bodyPr/>
+          <a:lstStyle/>
+          <a:p>
+            <a:r>
+              <a:rPr lang="en-US" b="1" dirty="0"/>
+              <a:t>References</a:t>
+            </a:r>
+            <a:endParaRPr lang="de-DE" b="1" dirty="0"/>
+          </a:p>
+        </p:txBody>
+      </p:sp>
+      <p:sp>
+        <p:nvSpPr>
+          <p:cNvPr id="4" name="Foliennummernplatzhalter 3">
+            <a:extLst>
+              <a:ext uri="{FF2B5EF4-FFF2-40B4-BE49-F238E27FC236}">
+                <a16:creationId xmlns:a16="http://schemas.microsoft.com/office/drawing/2014/main" id="{81BEA176-B0CB-42C5-9246-137AF6416DBC}"/>
+              </a:ext>
+            </a:extLst>
+          </p:cNvPr>
+          <p:cNvSpPr>
+            <a:spLocks noGrp="1"/>
+          </p:cNvSpPr>
+          <p:nvPr>
+            <p:ph type="sldNum" sz="quarter" idx="12"/>
+          </p:nvPr>
+        </p:nvSpPr>
+        <p:spPr/>
+        <p:txBody>
+          <a:bodyPr/>
+          <a:lstStyle/>
+          <a:p>
+            <a:fld id="{5CAEF0F8-4C7D-4897-B6B8-79DC5384B114}" type="slidenum">
+              <a:rPr lang="de-DE" smtClean="0"/>
+              <a:t>11</a:t>
+            </a:fld>
+            <a:endParaRPr lang="de-DE" dirty="0"/>
+          </a:p>
+        </p:txBody>
+      </p:sp>
+      <p:sp>
+        <p:nvSpPr>
+          <p:cNvPr id="3" name="Textfeld 2">
+            <a:extLst>
+              <a:ext uri="{FF2B5EF4-FFF2-40B4-BE49-F238E27FC236}">
+                <a16:creationId xmlns:a16="http://schemas.microsoft.com/office/drawing/2014/main" id="{DF0D9A0C-94A9-49BC-92F4-CD5C26F41A84}"/>
+              </a:ext>
+            </a:extLst>
+          </p:cNvPr>
+          <p:cNvSpPr txBox="1"/>
+          <p:nvPr/>
+        </p:nvSpPr>
+        <p:spPr>
+          <a:xfrm>
+            <a:off x="822960" y="1884784"/>
+            <a:ext cx="471604" cy="276999"/>
+          </a:xfrm>
+          <a:prstGeom prst="rect">
+            <a:avLst/>
+          </a:prstGeom>
+          <a:noFill/>
+        </p:spPr>
+        <p:txBody>
+          <a:bodyPr wrap="none" rtlCol="0">
+            <a:spAutoFit/>
+          </a:bodyPr>
+          <a:lstStyle/>
+          <a:p>
+            <a:r>
+              <a:rPr lang="de-DE" sz="1200" dirty="0">
+                <a:latin typeface="+mj-lt"/>
+              </a:rPr>
+              <a:t>Fig…</a:t>
+            </a:r>
+          </a:p>
+        </p:txBody>
+      </p:sp>
+      <p:sp>
+        <p:nvSpPr>
+          <p:cNvPr id="6" name="Fußzeilenplatzhalter 2">
+            <a:extLst>
+              <a:ext uri="{FF2B5EF4-FFF2-40B4-BE49-F238E27FC236}">
+                <a16:creationId xmlns:a16="http://schemas.microsoft.com/office/drawing/2014/main" id="{96C4987F-3C9D-4ED7-8311-EE4E79643204}"/>
+              </a:ext>
+            </a:extLst>
+          </p:cNvPr>
+          <p:cNvSpPr>
+            <a:spLocks noGrp="1"/>
+          </p:cNvSpPr>
+          <p:nvPr>
+            <p:ph type="ftr" sz="quarter" idx="11"/>
+          </p:nvPr>
+        </p:nvSpPr>
+        <p:spPr>
+          <a:xfrm>
+            <a:off x="645200" y="6459785"/>
+            <a:ext cx="3617103" cy="365125"/>
+          </a:xfrm>
+        </p:spPr>
+        <p:txBody>
+          <a:bodyPr/>
+          <a:lstStyle/>
+          <a:p>
+            <a:r>
+              <a:rPr lang="de-DE" dirty="0"/>
+              <a:t>ITD - Projekt angewandte Elektrotechnik / August 2020</a:t>
+            </a:r>
+          </a:p>
+        </p:txBody>
+      </p:sp>
+    </p:spTree>
+    <p:extLst>
+      <p:ext uri="{BB962C8B-B14F-4D97-AF65-F5344CB8AC3E}">
+        <p14:creationId xmlns:p14="http://schemas.microsoft.com/office/powerpoint/2010/main" val="3236589061"/>
+      </p:ext>
+    </p:extLst>
+  </p:cSld>
+  <p:clrMapOvr>
+    <a:masterClrMapping/>
+  </p:clrMapOvr>
+</p:sld>
+</file>
+
+<file path=ppt/slides/slide12.xml><?xml version="1.0" encoding="utf-8"?>
+<p:sld xmlns:a="http://schemas.openxmlformats.org/drawingml/2006/main" xmlns:r="http://schemas.openxmlformats.org/officeDocument/2006/relationships" xmlns:p="http://schemas.openxmlformats.org/presentationml/2006/main">
+  <p:cSld>
+    <p:spTree>
+      <p:nvGrpSpPr>
+        <p:cNvPr id="1" name=""/>
+        <p:cNvGrpSpPr/>
+        <p:nvPr/>
+      </p:nvGrpSpPr>
+      <p:grpSpPr>
+        <a:xfrm>
+          <a:off x="0" y="0"/>
+          <a:ext cx="0" cy="0"/>
+          <a:chOff x="0" y="0"/>
+          <a:chExt cx="0" cy="0"/>
+        </a:xfrm>
+      </p:grpSpPr>
+      <p:sp>
+        <p:nvSpPr>
+          <p:cNvPr id="2" name="Titel 1">
+            <a:extLst>
+              <a:ext uri="{FF2B5EF4-FFF2-40B4-BE49-F238E27FC236}">
+                <a16:creationId xmlns:a16="http://schemas.microsoft.com/office/drawing/2014/main" id="{9E749245-F64E-48BA-9189-033B19556B2D}"/>
+              </a:ext>
+            </a:extLst>
+          </p:cNvPr>
+          <p:cNvSpPr>
+            <a:spLocks noGrp="1"/>
+          </p:cNvSpPr>
+          <p:nvPr>
+            <p:ph type="title"/>
+          </p:nvPr>
+        </p:nvSpPr>
+        <p:spPr/>
+        <p:txBody>
+          <a:bodyPr/>
+          <a:lstStyle/>
+          <a:p>
+            <a:r>
+              <a:rPr lang="en-US" b="1" dirty="0"/>
+              <a:t>Bibliography</a:t>
+            </a:r>
+            <a:endParaRPr lang="de-DE" b="1" dirty="0"/>
+          </a:p>
+        </p:txBody>
+      </p:sp>
+      <p:sp>
+        <p:nvSpPr>
+          <p:cNvPr id="4" name="Foliennummernplatzhalter 3">
+            <a:extLst>
+              <a:ext uri="{FF2B5EF4-FFF2-40B4-BE49-F238E27FC236}">
+                <a16:creationId xmlns:a16="http://schemas.microsoft.com/office/drawing/2014/main" id="{81BEA176-B0CB-42C5-9246-137AF6416DBC}"/>
+              </a:ext>
+            </a:extLst>
+          </p:cNvPr>
+          <p:cNvSpPr>
+            <a:spLocks noGrp="1"/>
+          </p:cNvSpPr>
+          <p:nvPr>
+            <p:ph type="sldNum" sz="quarter" idx="12"/>
+          </p:nvPr>
+        </p:nvSpPr>
+        <p:spPr/>
+        <p:txBody>
+          <a:bodyPr/>
+          <a:lstStyle/>
+          <a:p>
+            <a:fld id="{5CAEF0F8-4C7D-4897-B6B8-79DC5384B114}" type="slidenum">
+              <a:rPr lang="de-DE" smtClean="0"/>
+              <a:t>12</a:t>
+            </a:fld>
+            <a:endParaRPr lang="de-DE" dirty="0"/>
+          </a:p>
+        </p:txBody>
+      </p:sp>
+      <p:sp>
+        <p:nvSpPr>
+          <p:cNvPr id="3" name="Textfeld 2">
+            <a:extLst>
+              <a:ext uri="{FF2B5EF4-FFF2-40B4-BE49-F238E27FC236}">
+                <a16:creationId xmlns:a16="http://schemas.microsoft.com/office/drawing/2014/main" id="{DF0D9A0C-94A9-49BC-92F4-CD5C26F41A84}"/>
+              </a:ext>
+            </a:extLst>
+          </p:cNvPr>
+          <p:cNvSpPr txBox="1"/>
+          <p:nvPr/>
+        </p:nvSpPr>
+        <p:spPr>
+          <a:xfrm>
+            <a:off x="822960" y="1884784"/>
+            <a:ext cx="7586403" cy="461665"/>
+          </a:xfrm>
+          <a:prstGeom prst="rect">
+            <a:avLst/>
+          </a:prstGeom>
+          <a:noFill/>
+        </p:spPr>
+        <p:txBody>
+          <a:bodyPr wrap="square" rtlCol="0">
+            <a:spAutoFit/>
+          </a:bodyPr>
+          <a:lstStyle/>
+          <a:p>
+            <a:r>
+              <a:rPr lang="de-DE" sz="1200" dirty="0">
+                <a:latin typeface="+mj-lt"/>
+              </a:rPr>
+              <a:t>[1] </a:t>
+            </a:r>
+          </a:p>
+          <a:p>
+            <a:r>
+              <a:rPr lang="de-DE" sz="1200" dirty="0">
+                <a:latin typeface="+mj-lt"/>
+              </a:rPr>
+              <a:t>…</a:t>
+            </a:r>
+          </a:p>
+        </p:txBody>
+      </p:sp>
+      <p:sp>
+        <p:nvSpPr>
+          <p:cNvPr id="6" name="Fußzeilenplatzhalter 2">
+            <a:extLst>
+              <a:ext uri="{FF2B5EF4-FFF2-40B4-BE49-F238E27FC236}">
+                <a16:creationId xmlns:a16="http://schemas.microsoft.com/office/drawing/2014/main" id="{3B00C864-E308-4E37-B7CC-EE3439122A3A}"/>
+              </a:ext>
+            </a:extLst>
+          </p:cNvPr>
+          <p:cNvSpPr>
+            <a:spLocks noGrp="1"/>
+          </p:cNvSpPr>
+          <p:nvPr>
+            <p:ph type="ftr" sz="quarter" idx="11"/>
+          </p:nvPr>
+        </p:nvSpPr>
+        <p:spPr>
+          <a:xfrm>
+            <a:off x="645200" y="6459785"/>
+            <a:ext cx="3617103" cy="365125"/>
+          </a:xfrm>
+        </p:spPr>
+        <p:txBody>
+          <a:bodyPr/>
+          <a:lstStyle/>
+          <a:p>
+            <a:r>
+              <a:rPr lang="de-DE" dirty="0"/>
+              <a:t>ITD - Projekt angewandte Elektrotechnik / August 2020</a:t>
+            </a:r>
+          </a:p>
+        </p:txBody>
+      </p:sp>
+    </p:spTree>
+    <p:extLst>
+      <p:ext uri="{BB962C8B-B14F-4D97-AF65-F5344CB8AC3E}">
+        <p14:creationId xmlns:p14="http://schemas.microsoft.com/office/powerpoint/2010/main" val="192726702"/>
+      </p:ext>
+    </p:extLst>
+  </p:cSld>
+  <p:clrMapOvr>
+    <a:masterClrMapping/>
+  </p:clrMapOvr>
+</p:sld>
+</file>
+
 <file path=ppt/slides/slide2.xml><?xml version="1.0" encoding="utf-8"?>
 <p:sld xmlns:a="http://schemas.openxmlformats.org/drawingml/2006/main" xmlns:r="http://schemas.openxmlformats.org/officeDocument/2006/relationships" xmlns:p="http://schemas.openxmlformats.org/presentationml/2006/main">
   <p:cSld>
@@ -11992,7 +12441,7 @@
           <a:lstStyle/>
           <a:p>
             <a:r>
-              <a:rPr lang="de-DE" sz="1600" b="0" i="0" u="none" strike="noStrike" dirty="0">
+              <a:rPr lang="de-DE" sz="1600" b="1" i="0" u="none" strike="noStrike" dirty="0">
                 <a:solidFill>
                   <a:srgbClr val="24292E"/>
                 </a:solidFill>
@@ -12024,7 +12473,7 @@
           </a:p>
           <a:p>
             <a:r>
-              <a:rPr lang="de-DE" sz="1600" dirty="0">
+              <a:rPr lang="de-DE" sz="1600" b="1" dirty="0">
                 <a:solidFill>
                   <a:srgbClr val="24292E"/>
                 </a:solidFill>
@@ -12134,7 +12583,7 @@
               </a:buClr>
             </a:pPr>
             <a:r>
-              <a:rPr lang="de-DE" sz="1600" dirty="0">
+              <a:rPr lang="de-DE" sz="1600" b="1" dirty="0">
                 <a:solidFill>
                   <a:srgbClr val="24292E"/>
                 </a:solidFill>
@@ -12181,7 +12630,7 @@
         <p:spPr>
           <a:xfrm>
             <a:off x="5942247" y="5710608"/>
-            <a:ext cx="1079398" cy="276999"/>
+            <a:ext cx="1157946" cy="276999"/>
           </a:xfrm>
           <a:prstGeom prst="rect">
             <a:avLst/>
@@ -12196,7 +12645,7 @@
           <a:p>
             <a:r>
               <a:rPr lang="de-DE" sz="1200" b="1" dirty="0"/>
-              <a:t>Abb.: Roboter</a:t>
+              <a:t>Abb.4: Roboter</a:t>
             </a:r>
           </a:p>
         </p:txBody>
@@ -12684,14 +13133,15 @@
         </p:nvSpPr>
         <p:spPr/>
         <p:txBody>
-          <a:bodyPr/>
-          <a:lstStyle/>
-          <a:p>
-            <a:r>
-              <a:rPr lang="en-US" b="1" dirty="0"/>
-              <a:t>Requirements </a:t>
-            </a:r>
-            <a:endParaRPr lang="de-DE" b="1" dirty="0"/>
+          <a:bodyPr vert="horz" lIns="91440" tIns="45720" rIns="91440" bIns="45720" rtlCol="0" anchor="b">
+            <a:normAutofit/>
+          </a:bodyPr>
+          <a:lstStyle/>
+          <a:p>
+            <a:r>
+              <a:rPr lang="de-DE" b="1" dirty="0"/>
+              <a:t>Produkteinsatz</a:t>
+            </a:r>
           </a:p>
         </p:txBody>
       </p:sp>
@@ -12757,10 +13207,46 @@
           </a:p>
         </p:txBody>
       </p:sp>
+      <p:pic>
+        <p:nvPicPr>
+          <p:cNvPr id="7" name="Grafik 6">
+            <a:extLst>
+              <a:ext uri="{FF2B5EF4-FFF2-40B4-BE49-F238E27FC236}">
+                <a16:creationId xmlns:a16="http://schemas.microsoft.com/office/drawing/2014/main" id="{AD105BDC-B3A1-4D39-951F-83F53650EE8E}"/>
+              </a:ext>
+            </a:extLst>
+          </p:cNvPr>
+          <p:cNvPicPr>
+            <a:picLocks noChangeAspect="1"/>
+          </p:cNvPicPr>
+          <p:nvPr/>
+        </p:nvPicPr>
+        <p:blipFill>
+          <a:blip r:embed="rId2">
+            <a:extLst>
+              <a:ext uri="{28A0092B-C50C-407E-A947-70E740481C1C}">
+                <a14:useLocalDpi xmlns:a14="http://schemas.microsoft.com/office/drawing/2010/main" val="0"/>
+              </a:ext>
+            </a:extLst>
+          </a:blip>
+          <a:stretch>
+            <a:fillRect/>
+          </a:stretch>
+        </p:blipFill>
+        <p:spPr>
+          <a:xfrm>
+            <a:off x="926415" y="2000336"/>
+            <a:ext cx="4680646" cy="3364766"/>
+          </a:xfrm>
+          <a:prstGeom prst="rect">
+            <a:avLst/>
+          </a:prstGeom>
+        </p:spPr>
+      </p:pic>
     </p:spTree>
     <p:extLst>
       <p:ext uri="{BB962C8B-B14F-4D97-AF65-F5344CB8AC3E}">
-        <p14:creationId xmlns:p14="http://schemas.microsoft.com/office/powerpoint/2010/main" val="1774341347"/>
+        <p14:creationId xmlns:p14="http://schemas.microsoft.com/office/powerpoint/2010/main" val="1703517762"/>
       </p:ext>
     </p:extLst>
   </p:cSld>
@@ -12805,14 +13291,15 @@
         </p:nvSpPr>
         <p:spPr/>
         <p:txBody>
-          <a:bodyPr/>
-          <a:lstStyle/>
-          <a:p>
-            <a:r>
-              <a:rPr lang="en-US" b="1" dirty="0"/>
-              <a:t>Use Case </a:t>
-            </a:r>
-            <a:endParaRPr lang="de-DE" b="1" dirty="0"/>
+          <a:bodyPr vert="horz" lIns="91440" tIns="45720" rIns="91440" bIns="45720" rtlCol="0" anchor="b">
+            <a:normAutofit/>
+          </a:bodyPr>
+          <a:lstStyle/>
+          <a:p>
+            <a:r>
+              <a:rPr lang="de-DE" b="1" dirty="0"/>
+              <a:t>Einsatzgebiet</a:t>
+            </a:r>
           </a:p>
         </p:txBody>
       </p:sp>
@@ -12847,10 +13334,10 @@
       </p:sp>
       <p:sp>
         <p:nvSpPr>
-          <p:cNvPr id="8" name="Fußzeilenplatzhalter 2">
+          <p:cNvPr id="9" name="Fußzeilenplatzhalter 2">
             <a:extLst>
               <a:ext uri="{FF2B5EF4-FFF2-40B4-BE49-F238E27FC236}">
-                <a16:creationId xmlns:a16="http://schemas.microsoft.com/office/drawing/2014/main" id="{27508FCC-828F-491B-9ACD-40268A284462}"/>
+                <a16:creationId xmlns:a16="http://schemas.microsoft.com/office/drawing/2014/main" id="{4F17DB2C-DA8F-4A4E-BF65-C523FBE6AE02}"/>
               </a:ext>
             </a:extLst>
           </p:cNvPr>
@@ -12878,10 +13365,46 @@
           </a:p>
         </p:txBody>
       </p:sp>
+      <p:pic>
+        <p:nvPicPr>
+          <p:cNvPr id="5" name="Grafik 4">
+            <a:extLst>
+              <a:ext uri="{FF2B5EF4-FFF2-40B4-BE49-F238E27FC236}">
+                <a16:creationId xmlns:a16="http://schemas.microsoft.com/office/drawing/2014/main" id="{90163474-FE8B-4FE9-A44B-95925DB6A05D}"/>
+              </a:ext>
+            </a:extLst>
+          </p:cNvPr>
+          <p:cNvPicPr>
+            <a:picLocks noChangeAspect="1"/>
+          </p:cNvPicPr>
+          <p:nvPr/>
+        </p:nvPicPr>
+        <p:blipFill>
+          <a:blip r:embed="rId2">
+            <a:extLst>
+              <a:ext uri="{28A0092B-C50C-407E-A947-70E740481C1C}">
+                <a14:useLocalDpi xmlns:a14="http://schemas.microsoft.com/office/drawing/2010/main" val="0"/>
+              </a:ext>
+            </a:extLst>
+          </a:blip>
+          <a:stretch>
+            <a:fillRect/>
+          </a:stretch>
+        </p:blipFill>
+        <p:spPr>
+          <a:xfrm>
+            <a:off x="917595" y="1848775"/>
+            <a:ext cx="6507749" cy="4368966"/>
+          </a:xfrm>
+          <a:prstGeom prst="rect">
+            <a:avLst/>
+          </a:prstGeom>
+        </p:spPr>
+      </p:pic>
     </p:spTree>
     <p:extLst>
       <p:ext uri="{BB962C8B-B14F-4D97-AF65-F5344CB8AC3E}">
-        <p14:creationId xmlns:p14="http://schemas.microsoft.com/office/powerpoint/2010/main" val="1952156672"/>
+        <p14:creationId xmlns:p14="http://schemas.microsoft.com/office/powerpoint/2010/main" val="227649431"/>
       </p:ext>
     </p:extLst>
   </p:cSld>
@@ -12931,7 +13454,7 @@
           <a:p>
             <a:r>
               <a:rPr lang="en-US" b="1" dirty="0"/>
-              <a:t>References</a:t>
+              <a:t>Requirements </a:t>
             </a:r>
             <a:endParaRPr lang="de-DE" b="1" dirty="0"/>
           </a:p>
@@ -12962,53 +13485,16 @@
               <a:rPr lang="de-DE" smtClean="0"/>
               <a:t>8</a:t>
             </a:fld>
-            <a:endParaRPr lang="de-DE" dirty="0"/>
-          </a:p>
-        </p:txBody>
-      </p:sp>
-      <p:sp>
-        <p:nvSpPr>
-          <p:cNvPr id="3" name="Textfeld 2">
+            <a:endParaRPr lang="de-DE"/>
+          </a:p>
+        </p:txBody>
+      </p:sp>
+      <p:sp>
+        <p:nvSpPr>
+          <p:cNvPr id="9" name="Fußzeilenplatzhalter 2">
             <a:extLst>
               <a:ext uri="{FF2B5EF4-FFF2-40B4-BE49-F238E27FC236}">
-                <a16:creationId xmlns:a16="http://schemas.microsoft.com/office/drawing/2014/main" id="{DF0D9A0C-94A9-49BC-92F4-CD5C26F41A84}"/>
-              </a:ext>
-            </a:extLst>
-          </p:cNvPr>
-          <p:cNvSpPr txBox="1"/>
-          <p:nvPr/>
-        </p:nvSpPr>
-        <p:spPr>
-          <a:xfrm>
-            <a:off x="822960" y="1884784"/>
-            <a:ext cx="471604" cy="276999"/>
-          </a:xfrm>
-          <a:prstGeom prst="rect">
-            <a:avLst/>
-          </a:prstGeom>
-          <a:noFill/>
-        </p:spPr>
-        <p:txBody>
-          <a:bodyPr wrap="none" rtlCol="0">
-            <a:spAutoFit/>
-          </a:bodyPr>
-          <a:lstStyle/>
-          <a:p>
-            <a:r>
-              <a:rPr lang="de-DE" sz="1200" dirty="0">
-                <a:latin typeface="+mj-lt"/>
-              </a:rPr>
-              <a:t>Fig…</a:t>
-            </a:r>
-          </a:p>
-        </p:txBody>
-      </p:sp>
-      <p:sp>
-        <p:nvSpPr>
-          <p:cNvPr id="6" name="Fußzeilenplatzhalter 2">
-            <a:extLst>
-              <a:ext uri="{FF2B5EF4-FFF2-40B4-BE49-F238E27FC236}">
-                <a16:creationId xmlns:a16="http://schemas.microsoft.com/office/drawing/2014/main" id="{96C4987F-3C9D-4ED7-8311-EE4E79643204}"/>
+                <a16:creationId xmlns:a16="http://schemas.microsoft.com/office/drawing/2014/main" id="{4F17DB2C-DA8F-4A4E-BF65-C523FBE6AE02}"/>
               </a:ext>
             </a:extLst>
           </p:cNvPr>
@@ -13036,10 +13522,39 @@
           </a:p>
         </p:txBody>
       </p:sp>
+      <p:pic>
+        <p:nvPicPr>
+          <p:cNvPr id="3" name="Grafik 2">
+            <a:extLst>
+              <a:ext uri="{FF2B5EF4-FFF2-40B4-BE49-F238E27FC236}">
+                <a16:creationId xmlns:a16="http://schemas.microsoft.com/office/drawing/2014/main" id="{87BF3DE5-DBA3-417B-AE35-F1C4F706756B}"/>
+              </a:ext>
+            </a:extLst>
+          </p:cNvPr>
+          <p:cNvPicPr>
+            <a:picLocks noChangeAspect="1"/>
+          </p:cNvPicPr>
+          <p:nvPr/>
+        </p:nvPicPr>
+        <p:blipFill rotWithShape="1">
+          <a:blip r:embed="rId2"/>
+          <a:srcRect t="6163"/>
+          <a:stretch/>
+        </p:blipFill>
+        <p:spPr>
+          <a:xfrm>
+            <a:off x="885633" y="1884783"/>
+            <a:ext cx="6753339" cy="4273420"/>
+          </a:xfrm>
+          <a:prstGeom prst="rect">
+            <a:avLst/>
+          </a:prstGeom>
+        </p:spPr>
+      </p:pic>
     </p:spTree>
     <p:extLst>
       <p:ext uri="{BB962C8B-B14F-4D97-AF65-F5344CB8AC3E}">
-        <p14:creationId xmlns:p14="http://schemas.microsoft.com/office/powerpoint/2010/main" val="3236589061"/>
+        <p14:creationId xmlns:p14="http://schemas.microsoft.com/office/powerpoint/2010/main" val="1774341347"/>
       </p:ext>
     </p:extLst>
   </p:cSld>
@@ -13089,7 +13604,7 @@
           <a:p>
             <a:r>
               <a:rPr lang="en-US" b="1" dirty="0"/>
-              <a:t>Bibliography</a:t>
+              <a:t>Use Case </a:t>
             </a:r>
             <a:endParaRPr lang="de-DE" b="1" dirty="0"/>
           </a:p>
@@ -13120,61 +13635,16 @@
               <a:rPr lang="de-DE" smtClean="0"/>
               <a:t>9</a:t>
             </a:fld>
-            <a:endParaRPr lang="de-DE" dirty="0"/>
-          </a:p>
-        </p:txBody>
-      </p:sp>
-      <p:sp>
-        <p:nvSpPr>
-          <p:cNvPr id="3" name="Textfeld 2">
+            <a:endParaRPr lang="de-DE"/>
+          </a:p>
+        </p:txBody>
+      </p:sp>
+      <p:sp>
+        <p:nvSpPr>
+          <p:cNvPr id="8" name="Fußzeilenplatzhalter 2">
             <a:extLst>
               <a:ext uri="{FF2B5EF4-FFF2-40B4-BE49-F238E27FC236}">
-                <a16:creationId xmlns:a16="http://schemas.microsoft.com/office/drawing/2014/main" id="{DF0D9A0C-94A9-49BC-92F4-CD5C26F41A84}"/>
-              </a:ext>
-            </a:extLst>
-          </p:cNvPr>
-          <p:cNvSpPr txBox="1"/>
-          <p:nvPr/>
-        </p:nvSpPr>
-        <p:spPr>
-          <a:xfrm>
-            <a:off x="822960" y="1884784"/>
-            <a:ext cx="7586403" cy="461665"/>
-          </a:xfrm>
-          <a:prstGeom prst="rect">
-            <a:avLst/>
-          </a:prstGeom>
-          <a:noFill/>
-        </p:spPr>
-        <p:txBody>
-          <a:bodyPr wrap="square" rtlCol="0">
-            <a:spAutoFit/>
-          </a:bodyPr>
-          <a:lstStyle/>
-          <a:p>
-            <a:r>
-              <a:rPr lang="de-DE" sz="1200" dirty="0">
-                <a:latin typeface="+mj-lt"/>
-              </a:rPr>
-              <a:t>[1] </a:t>
-            </a:r>
-          </a:p>
-          <a:p>
-            <a:r>
-              <a:rPr lang="de-DE" sz="1200" dirty="0">
-                <a:latin typeface="+mj-lt"/>
-              </a:rPr>
-              <a:t>…</a:t>
-            </a:r>
-          </a:p>
-        </p:txBody>
-      </p:sp>
-      <p:sp>
-        <p:nvSpPr>
-          <p:cNvPr id="6" name="Fußzeilenplatzhalter 2">
-            <a:extLst>
-              <a:ext uri="{FF2B5EF4-FFF2-40B4-BE49-F238E27FC236}">
-                <a16:creationId xmlns:a16="http://schemas.microsoft.com/office/drawing/2014/main" id="{3B00C864-E308-4E37-B7CC-EE3439122A3A}"/>
+                <a16:creationId xmlns:a16="http://schemas.microsoft.com/office/drawing/2014/main" id="{27508FCC-828F-491B-9ACD-40268A284462}"/>
               </a:ext>
             </a:extLst>
           </p:cNvPr>
@@ -13202,10 +13672,46 @@
           </a:p>
         </p:txBody>
       </p:sp>
+      <p:pic>
+        <p:nvPicPr>
+          <p:cNvPr id="9" name="Grafik 8">
+            <a:extLst>
+              <a:ext uri="{FF2B5EF4-FFF2-40B4-BE49-F238E27FC236}">
+                <a16:creationId xmlns:a16="http://schemas.microsoft.com/office/drawing/2014/main" id="{8A1DB861-4B8B-492C-8C41-0AB756D12416}"/>
+              </a:ext>
+            </a:extLst>
+          </p:cNvPr>
+          <p:cNvPicPr>
+            <a:picLocks noChangeAspect="1"/>
+          </p:cNvPicPr>
+          <p:nvPr/>
+        </p:nvPicPr>
+        <p:blipFill>
+          <a:blip r:embed="rId2">
+            <a:extLst>
+              <a:ext uri="{28A0092B-C50C-407E-A947-70E740481C1C}">
+                <a14:useLocalDpi xmlns:a14="http://schemas.microsoft.com/office/drawing/2010/main" val="0"/>
+              </a:ext>
+            </a:extLst>
+          </a:blip>
+          <a:stretch>
+            <a:fillRect/>
+          </a:stretch>
+        </p:blipFill>
+        <p:spPr>
+          <a:xfrm>
+            <a:off x="908487" y="1742026"/>
+            <a:ext cx="4251341" cy="4584447"/>
+          </a:xfrm>
+          <a:prstGeom prst="rect">
+            <a:avLst/>
+          </a:prstGeom>
+        </p:spPr>
+      </p:pic>
     </p:spTree>
     <p:extLst>
       <p:ext uri="{BB962C8B-B14F-4D97-AF65-F5344CB8AC3E}">
-        <p14:creationId xmlns:p14="http://schemas.microsoft.com/office/powerpoint/2010/main" val="192726702"/>
+        <p14:creationId xmlns:p14="http://schemas.microsoft.com/office/powerpoint/2010/main" val="1952156672"/>
       </p:ext>
     </p:extLst>
   </p:cSld>
